--- a/Lecture/Programming 2/Programming_2_Lecture.pptx
+++ b/Lecture/Programming 2/Programming_2_Lecture.pptx
@@ -296,7 +296,7 @@
               <a:pPr>
                 <a:defRPr/>
               </a:pPr>
-              <a:t>10/10/2018</a:t>
+              <a:t>10/11/2019</a:t>
             </a:fld>
             <a:endParaRPr lang="en-US" dirty="0"/>
           </a:p>
@@ -508,7 +508,7 @@
               <a:pPr>
                 <a:defRPr/>
               </a:pPr>
-              <a:t>10/10/2018</a:t>
+              <a:t>10/11/2019</a:t>
             </a:fld>
             <a:endParaRPr lang="en-US" dirty="0"/>
           </a:p>
@@ -1027,7 +1027,7 @@
               <a:pPr>
                 <a:defRPr/>
               </a:pPr>
-              <a:t>10/10/2018</a:t>
+              <a:t>10/11/2019</a:t>
             </a:fld>
             <a:endParaRPr lang="en-US" dirty="0"/>
           </a:p>
@@ -1217,7 +1217,7 @@
               <a:pPr>
                 <a:defRPr/>
               </a:pPr>
-              <a:t>10/10/2018</a:t>
+              <a:t>10/11/2019</a:t>
             </a:fld>
             <a:endParaRPr lang="en-US" dirty="0"/>
           </a:p>
@@ -1417,7 +1417,7 @@
               <a:pPr>
                 <a:defRPr/>
               </a:pPr>
-              <a:t>10/10/2018</a:t>
+              <a:t>10/11/2019</a:t>
             </a:fld>
             <a:endParaRPr lang="en-US" dirty="0"/>
           </a:p>
@@ -1685,7 +1685,7 @@
               <a:pPr>
                 <a:defRPr/>
               </a:pPr>
-              <a:t>10/10/2018</a:t>
+              <a:t>10/11/2019</a:t>
             </a:fld>
             <a:endParaRPr lang="en-US" dirty="0">
               <a:solidFill>
@@ -1899,7 +1899,7 @@
               <a:pPr>
                 <a:defRPr/>
               </a:pPr>
-              <a:t>10/10/2018</a:t>
+              <a:t>10/11/2019</a:t>
             </a:fld>
             <a:endParaRPr lang="en-US" dirty="0">
               <a:solidFill>
@@ -2190,7 +2190,7 @@
               <a:pPr>
                 <a:defRPr/>
               </a:pPr>
-              <a:t>10/10/2018</a:t>
+              <a:t>10/11/2019</a:t>
             </a:fld>
             <a:endParaRPr lang="en-US" dirty="0">
               <a:solidFill>
@@ -2521,7 +2521,7 @@
               <a:pPr>
                 <a:defRPr/>
               </a:pPr>
-              <a:t>10/10/2018</a:t>
+              <a:t>10/11/2019</a:t>
             </a:fld>
             <a:endParaRPr lang="en-US" dirty="0">
               <a:solidFill>
@@ -2986,7 +2986,7 @@
               <a:pPr>
                 <a:defRPr/>
               </a:pPr>
-              <a:t>10/10/2018</a:t>
+              <a:t>10/11/2019</a:t>
             </a:fld>
             <a:endParaRPr lang="en-US" dirty="0">
               <a:solidFill>
@@ -3149,7 +3149,7 @@
               <a:pPr>
                 <a:defRPr/>
               </a:pPr>
-              <a:t>10/10/2018</a:t>
+              <a:t>10/11/2019</a:t>
             </a:fld>
             <a:endParaRPr lang="en-US" dirty="0">
               <a:solidFill>
@@ -3290,7 +3290,7 @@
               <a:pPr>
                 <a:defRPr/>
               </a:pPr>
-              <a:t>10/10/2018</a:t>
+              <a:t>10/11/2019</a:t>
             </a:fld>
             <a:endParaRPr lang="en-US" dirty="0">
               <a:solidFill>
@@ -3611,7 +3611,7 @@
               <a:pPr>
                 <a:defRPr/>
               </a:pPr>
-              <a:t>10/10/2018</a:t>
+              <a:t>10/11/2019</a:t>
             </a:fld>
             <a:endParaRPr lang="en-US" dirty="0">
               <a:solidFill>
@@ -3819,7 +3819,7 @@
               <a:pPr>
                 <a:defRPr/>
               </a:pPr>
-              <a:t>10/10/2018</a:t>
+              <a:t>10/11/2019</a:t>
             </a:fld>
             <a:endParaRPr lang="en-US" dirty="0"/>
           </a:p>
@@ -4102,7 +4102,7 @@
               <a:pPr>
                 <a:defRPr/>
               </a:pPr>
-              <a:t>10/10/2018</a:t>
+              <a:t>10/11/2019</a:t>
             </a:fld>
             <a:endParaRPr lang="en-US" dirty="0">
               <a:solidFill>
@@ -4316,7 +4316,7 @@
               <a:pPr>
                 <a:defRPr/>
               </a:pPr>
-              <a:t>10/10/2018</a:t>
+              <a:t>10/11/2019</a:t>
             </a:fld>
             <a:endParaRPr lang="en-US" dirty="0">
               <a:solidFill>
@@ -4540,7 +4540,7 @@
               <a:pPr>
                 <a:defRPr/>
               </a:pPr>
-              <a:t>10/10/2018</a:t>
+              <a:t>10/11/2019</a:t>
             </a:fld>
             <a:endParaRPr lang="en-US" dirty="0">
               <a:solidFill>
@@ -4750,7 +4750,7 @@
               <a:pPr>
                 <a:defRPr/>
               </a:pPr>
-              <a:t>10/10/2018</a:t>
+              <a:t>10/11/2019</a:t>
             </a:fld>
             <a:endParaRPr lang="en-US" dirty="0">
               <a:solidFill>
@@ -5027,7 +5027,7 @@
               <a:pPr>
                 <a:defRPr/>
               </a:pPr>
-              <a:t>10/10/2018</a:t>
+              <a:t>10/11/2019</a:t>
             </a:fld>
             <a:endParaRPr lang="en-US" dirty="0"/>
           </a:p>
@@ -5334,7 +5334,7 @@
               <a:pPr>
                 <a:defRPr/>
               </a:pPr>
-              <a:t>10/10/2018</a:t>
+              <a:t>10/11/2019</a:t>
             </a:fld>
             <a:endParaRPr lang="en-US" dirty="0"/>
           </a:p>
@@ -5775,7 +5775,7 @@
               <a:pPr>
                 <a:defRPr/>
               </a:pPr>
-              <a:t>10/10/2018</a:t>
+              <a:t>10/11/2019</a:t>
             </a:fld>
             <a:endParaRPr lang="en-US" dirty="0"/>
           </a:p>
@@ -5914,7 +5914,7 @@
               <a:pPr>
                 <a:defRPr/>
               </a:pPr>
-              <a:t>10/10/2018</a:t>
+              <a:t>10/11/2019</a:t>
             </a:fld>
             <a:endParaRPr lang="en-US" dirty="0"/>
           </a:p>
@@ -6031,7 +6031,7 @@
               <a:pPr>
                 <a:defRPr/>
               </a:pPr>
-              <a:t>10/10/2018</a:t>
+              <a:t>10/11/2019</a:t>
             </a:fld>
             <a:endParaRPr lang="en-US" dirty="0"/>
           </a:p>
@@ -6328,7 +6328,7 @@
               <a:pPr>
                 <a:defRPr/>
               </a:pPr>
-              <a:t>10/10/2018</a:t>
+              <a:t>10/11/2019</a:t>
             </a:fld>
             <a:endParaRPr lang="en-US" dirty="0"/>
           </a:p>
@@ -6605,7 +6605,7 @@
               <a:pPr>
                 <a:defRPr/>
               </a:pPr>
-              <a:t>10/10/2018</a:t>
+              <a:t>10/11/2019</a:t>
             </a:fld>
             <a:endParaRPr lang="en-US" dirty="0"/>
           </a:p>
@@ -6862,7 +6862,7 @@
               <a:pPr>
                 <a:defRPr/>
               </a:pPr>
-              <a:t>10/10/2018</a:t>
+              <a:t>10/11/2019</a:t>
             </a:fld>
             <a:endParaRPr lang="en-US" dirty="0"/>
           </a:p>
@@ -7572,7 +7572,7 @@
               <a:pPr>
                 <a:defRPr/>
               </a:pPr>
-              <a:t>10/10/2018</a:t>
+              <a:t>10/11/2019</a:t>
             </a:fld>
             <a:endParaRPr lang="en-US" dirty="0">
               <a:solidFill>
@@ -8588,7 +8588,7 @@
                   <a:srgbClr val="404040"/>
                 </a:solidFill>
               </a:rPr>
-              <a:t>Open Tutorial 10</a:t>
+              <a:t>Open Tutorial</a:t>
             </a:r>
           </a:p>
           <a:p>
